--- a/case_presentation.pptx
+++ b/case_presentation.pptx
@@ -111,6 +111,11 @@
       </a:defRPr>
     </a:lvl9pPr>
   </p:defaultTextStyle>
+  <p:extLst>
+    <p:ext uri="{EFAFB233-063F-42B5-8137-9DF3F51BA10A}">
+      <p15:sldGuideLst xmlns:p15="http://schemas.microsoft.com/office/powerpoint/2012/main"/>
+    </p:ext>
+  </p:extLst>
 </p:presentation>
 </file>
 
@@ -127,7 +132,7 @@
   <pc:docChgLst>
     <pc:chgData name="Ulrich Peter Christiansen" userId="37732707064464ae" providerId="LiveId" clId="{234F40A3-C788-4ACD-AA45-EA48C8C90975}"/>
     <pc:docChg chg="undo redo custSel addSld delSld modSld sldOrd">
-      <pc:chgData name="Ulrich Peter Christiansen" userId="37732707064464ae" providerId="LiveId" clId="{234F40A3-C788-4ACD-AA45-EA48C8C90975}" dt="2024-07-02T00:54:47.836" v="2779" actId="20577"/>
+      <pc:chgData name="Ulrich Peter Christiansen" userId="37732707064464ae" providerId="LiveId" clId="{234F40A3-C788-4ACD-AA45-EA48C8C90975}" dt="2024-07-02T01:18:44.746" v="2783"/>
       <pc:docMkLst>
         <pc:docMk/>
       </pc:docMkLst>
@@ -482,7 +487,7 @@
         </pc:grpChg>
       </pc:sldChg>
       <pc:sldChg chg="addSp modSp add mod ord">
-        <pc:chgData name="Ulrich Peter Christiansen" userId="37732707064464ae" providerId="LiveId" clId="{234F40A3-C788-4ACD-AA45-EA48C8C90975}" dt="2024-07-01T23:36:18.831" v="1554" actId="20577"/>
+        <pc:chgData name="Ulrich Peter Christiansen" userId="37732707064464ae" providerId="LiveId" clId="{234F40A3-C788-4ACD-AA45-EA48C8C90975}" dt="2024-07-02T01:18:44.746" v="2783"/>
         <pc:sldMkLst>
           <pc:docMk/>
           <pc:sldMk cId="1711531213" sldId="258"/>
@@ -504,7 +509,7 @@
           </ac:spMkLst>
         </pc:spChg>
         <pc:spChg chg="add mod">
-          <ac:chgData name="Ulrich Peter Christiansen" userId="37732707064464ae" providerId="LiveId" clId="{234F40A3-C788-4ACD-AA45-EA48C8C90975}" dt="2024-07-01T23:36:18.831" v="1554" actId="20577"/>
+          <ac:chgData name="Ulrich Peter Christiansen" userId="37732707064464ae" providerId="LiveId" clId="{234F40A3-C788-4ACD-AA45-EA48C8C90975}" dt="2024-07-02T01:18:44.746" v="2783"/>
           <ac:spMkLst>
             <pc:docMk/>
             <pc:sldMk cId="1711531213" sldId="258"/>
@@ -3298,7 +3303,7 @@
           <a:p>
             <a:fld id="{8EA52413-66D7-4AFB-8F38-9F419C986266}" type="datetimeFigureOut">
               <a:rPr lang="en-DK" smtClean="0"/>
-              <a:t>01/07/2024</a:t>
+              <a:t>02/07/2024</a:t>
             </a:fld>
             <a:endParaRPr lang="en-DK"/>
           </a:p>
@@ -4051,7 +4056,7 @@
           <a:p>
             <a:fld id="{B9DEE78C-9B61-4E89-904B-CF6875779AC9}" type="datetimeFigureOut">
               <a:rPr lang="en-DK" smtClean="0"/>
-              <a:t>01/07/2024</a:t>
+              <a:t>02/07/2024</a:t>
             </a:fld>
             <a:endParaRPr lang="en-DK"/>
           </a:p>
@@ -4251,7 +4256,7 @@
           <a:p>
             <a:fld id="{B9DEE78C-9B61-4E89-904B-CF6875779AC9}" type="datetimeFigureOut">
               <a:rPr lang="en-DK" smtClean="0"/>
-              <a:t>01/07/2024</a:t>
+              <a:t>02/07/2024</a:t>
             </a:fld>
             <a:endParaRPr lang="en-DK"/>
           </a:p>
@@ -4461,7 +4466,7 @@
           <a:p>
             <a:fld id="{B9DEE78C-9B61-4E89-904B-CF6875779AC9}" type="datetimeFigureOut">
               <a:rPr lang="en-DK" smtClean="0"/>
-              <a:t>01/07/2024</a:t>
+              <a:t>02/07/2024</a:t>
             </a:fld>
             <a:endParaRPr lang="en-DK"/>
           </a:p>
@@ -4661,7 +4666,7 @@
           <a:p>
             <a:fld id="{B9DEE78C-9B61-4E89-904B-CF6875779AC9}" type="datetimeFigureOut">
               <a:rPr lang="en-DK" smtClean="0"/>
-              <a:t>01/07/2024</a:t>
+              <a:t>02/07/2024</a:t>
             </a:fld>
             <a:endParaRPr lang="en-DK"/>
           </a:p>
@@ -4937,7 +4942,7 @@
           <a:p>
             <a:fld id="{B9DEE78C-9B61-4E89-904B-CF6875779AC9}" type="datetimeFigureOut">
               <a:rPr lang="en-DK" smtClean="0"/>
-              <a:t>01/07/2024</a:t>
+              <a:t>02/07/2024</a:t>
             </a:fld>
             <a:endParaRPr lang="en-DK"/>
           </a:p>
@@ -5205,7 +5210,7 @@
           <a:p>
             <a:fld id="{B9DEE78C-9B61-4E89-904B-CF6875779AC9}" type="datetimeFigureOut">
               <a:rPr lang="en-DK" smtClean="0"/>
-              <a:t>01/07/2024</a:t>
+              <a:t>02/07/2024</a:t>
             </a:fld>
             <a:endParaRPr lang="en-DK"/>
           </a:p>
@@ -5620,7 +5625,7 @@
           <a:p>
             <a:fld id="{B9DEE78C-9B61-4E89-904B-CF6875779AC9}" type="datetimeFigureOut">
               <a:rPr lang="en-DK" smtClean="0"/>
-              <a:t>01/07/2024</a:t>
+              <a:t>02/07/2024</a:t>
             </a:fld>
             <a:endParaRPr lang="en-DK"/>
           </a:p>
@@ -5762,7 +5767,7 @@
           <a:p>
             <a:fld id="{B9DEE78C-9B61-4E89-904B-CF6875779AC9}" type="datetimeFigureOut">
               <a:rPr lang="en-DK" smtClean="0"/>
-              <a:t>01/07/2024</a:t>
+              <a:t>02/07/2024</a:t>
             </a:fld>
             <a:endParaRPr lang="en-DK"/>
           </a:p>
@@ -5875,7 +5880,7 @@
           <a:p>
             <a:fld id="{B9DEE78C-9B61-4E89-904B-CF6875779AC9}" type="datetimeFigureOut">
               <a:rPr lang="en-DK" smtClean="0"/>
-              <a:t>01/07/2024</a:t>
+              <a:t>02/07/2024</a:t>
             </a:fld>
             <a:endParaRPr lang="en-DK"/>
           </a:p>
@@ -6188,7 +6193,7 @@
           <a:p>
             <a:fld id="{B9DEE78C-9B61-4E89-904B-CF6875779AC9}" type="datetimeFigureOut">
               <a:rPr lang="en-DK" smtClean="0"/>
-              <a:t>01/07/2024</a:t>
+              <a:t>02/07/2024</a:t>
             </a:fld>
             <a:endParaRPr lang="en-DK"/>
           </a:p>
@@ -6477,7 +6482,7 @@
           <a:p>
             <a:fld id="{B9DEE78C-9B61-4E89-904B-CF6875779AC9}" type="datetimeFigureOut">
               <a:rPr lang="en-DK" smtClean="0"/>
-              <a:t>01/07/2024</a:t>
+              <a:t>02/07/2024</a:t>
             </a:fld>
             <a:endParaRPr lang="en-DK"/>
           </a:p>
@@ -6720,7 +6725,7 @@
           <a:p>
             <a:fld id="{B9DEE78C-9B61-4E89-904B-CF6875779AC9}" type="datetimeFigureOut">
               <a:rPr lang="en-DK" smtClean="0"/>
-              <a:t>01/07/2024</a:t>
+              <a:t>02/07/2024</a:t>
             </a:fld>
             <a:endParaRPr lang="en-DK"/>
           </a:p>
@@ -7964,7 +7969,7 @@
                   <a:srgbClr val="EFEDEA"/>
                 </a:solidFill>
               </a:rPr>
-              <a:t>git</a:t>
+              <a:t>https://github.com/SuneHansenn/JustEatCase.git</a:t>
             </a:r>
           </a:p>
           <a:p>
@@ -8966,13 +8971,13 @@
   <p:clrMapOvr>
     <a:masterClrMapping/>
   </p:clrMapOvr>
-  <mc:AlternateContent xmlns:mc="http://schemas.openxmlformats.org/markup-compatibility/2006">
-    <mc:Choice xmlns:p159="http://schemas.microsoft.com/office/powerpoint/2015/09/main" Requires="p159">
+  <mc:AlternateContent xmlns:mc="http://schemas.openxmlformats.org/markup-compatibility/2006" xmlns:p159="http://schemas.microsoft.com/office/powerpoint/2015/09/main">
+    <mc:Choice Requires="p159">
       <p:transition xmlns:p14="http://schemas.microsoft.com/office/powerpoint/2010/main" spd="slow" p14:dur="2000">
         <p159:morph option="byObject"/>
       </p:transition>
     </mc:Choice>
-    <mc:Fallback>
+    <mc:Fallback xmlns="">
       <p:transition spd="slow">
         <p:fade/>
       </p:transition>
@@ -9800,13 +9805,13 @@
   <p:clrMapOvr>
     <a:masterClrMapping/>
   </p:clrMapOvr>
-  <mc:AlternateContent xmlns:mc="http://schemas.openxmlformats.org/markup-compatibility/2006">
-    <mc:Choice xmlns:p159="http://schemas.microsoft.com/office/powerpoint/2015/09/main" Requires="p159">
+  <mc:AlternateContent xmlns:mc="http://schemas.openxmlformats.org/markup-compatibility/2006" xmlns:p159="http://schemas.microsoft.com/office/powerpoint/2015/09/main">
+    <mc:Choice Requires="p159">
       <p:transition xmlns:p14="http://schemas.microsoft.com/office/powerpoint/2010/main" spd="slow" p14:dur="2000">
         <p159:morph option="byObject"/>
       </p:transition>
     </mc:Choice>
-    <mc:Fallback>
+    <mc:Fallback xmlns="">
       <p:transition spd="slow">
         <p:fade/>
       </p:transition>
@@ -12770,13 +12775,13 @@
   <p:clrMapOvr>
     <a:masterClrMapping/>
   </p:clrMapOvr>
-  <mc:AlternateContent xmlns:mc="http://schemas.openxmlformats.org/markup-compatibility/2006">
-    <mc:Choice xmlns:p159="http://schemas.microsoft.com/office/powerpoint/2015/09/main" Requires="p159">
+  <mc:AlternateContent xmlns:mc="http://schemas.openxmlformats.org/markup-compatibility/2006" xmlns:p159="http://schemas.microsoft.com/office/powerpoint/2015/09/main">
+    <mc:Choice Requires="p159">
       <p:transition xmlns:p14="http://schemas.microsoft.com/office/powerpoint/2010/main" spd="slow" p14:dur="2000">
         <p159:morph option="byObject"/>
       </p:transition>
     </mc:Choice>
-    <mc:Fallback>
+    <mc:Fallback xmlns="">
       <p:transition spd="slow">
         <p:fade/>
       </p:transition>
@@ -13089,13 +13094,13 @@
   <p:clrMapOvr>
     <a:masterClrMapping/>
   </p:clrMapOvr>
-  <mc:AlternateContent xmlns:mc="http://schemas.openxmlformats.org/markup-compatibility/2006">
-    <mc:Choice xmlns:p159="http://schemas.microsoft.com/office/powerpoint/2015/09/main" Requires="p159">
+  <mc:AlternateContent xmlns:mc="http://schemas.openxmlformats.org/markup-compatibility/2006" xmlns:p159="http://schemas.microsoft.com/office/powerpoint/2015/09/main">
+    <mc:Choice Requires="p159">
       <p:transition xmlns:p14="http://schemas.microsoft.com/office/powerpoint/2010/main" spd="slow" p14:dur="2000">
         <p159:morph option="byObject"/>
       </p:transition>
     </mc:Choice>
-    <mc:Fallback>
+    <mc:Fallback xmlns="">
       <p:transition spd="slow">
         <p:fade/>
       </p:transition>

--- a/case_presentation.pptx
+++ b/case_presentation.pptx
@@ -122,7 +122,7 @@
 <file path=ppt/revisionInfo.xml><?xml version="1.0" encoding="utf-8"?>
 <p1510:revInfo xmlns:a="http://schemas.openxmlformats.org/drawingml/2006/main" xmlns:r="http://schemas.openxmlformats.org/officeDocument/2006/relationships" xmlns:p1510="http://schemas.microsoft.com/office/powerpoint/2015/10/main">
   <p1510:revLst>
-    <p1510:client id="{234F40A3-C788-4ACD-AA45-EA48C8C90975}" v="91" dt="2024-07-02T00:46:54.317"/>
+    <p1510:client id="{234F40A3-C788-4ACD-AA45-EA48C8C90975}" v="92" dt="2024-07-02T05:47:15.483"/>
   </p1510:revLst>
 </p1510:revInfo>
 </file>
@@ -132,7 +132,7 @@
   <pc:docChgLst>
     <pc:chgData name="Ulrich Peter Christiansen" userId="37732707064464ae" providerId="LiveId" clId="{234F40A3-C788-4ACD-AA45-EA48C8C90975}"/>
     <pc:docChg chg="undo redo custSel addSld delSld modSld sldOrd">
-      <pc:chgData name="Ulrich Peter Christiansen" userId="37732707064464ae" providerId="LiveId" clId="{234F40A3-C788-4ACD-AA45-EA48C8C90975}" dt="2024-07-02T01:18:44.746" v="2783"/>
+      <pc:chgData name="Ulrich Peter Christiansen" userId="37732707064464ae" providerId="LiveId" clId="{234F40A3-C788-4ACD-AA45-EA48C8C90975}" dt="2024-07-02T05:47:27.021" v="2812" actId="20577"/>
       <pc:docMkLst>
         <pc:docMk/>
       </pc:docMkLst>
@@ -160,7 +160,7 @@
         </pc:spChg>
       </pc:sldChg>
       <pc:sldChg chg="addSp delSp modSp new mod modTransition setBg">
-        <pc:chgData name="Ulrich Peter Christiansen" userId="37732707064464ae" providerId="LiveId" clId="{234F40A3-C788-4ACD-AA45-EA48C8C90975}" dt="2024-07-01T23:55:06.910" v="1702" actId="20577"/>
+        <pc:chgData name="Ulrich Peter Christiansen" userId="37732707064464ae" providerId="LiveId" clId="{234F40A3-C788-4ACD-AA45-EA48C8C90975}" dt="2024-07-02T05:43:40.542" v="2790" actId="20577"/>
         <pc:sldMkLst>
           <pc:docMk/>
           <pc:sldMk cId="3896327994" sldId="257"/>
@@ -390,7 +390,7 @@
           </ac:spMkLst>
         </pc:spChg>
         <pc:spChg chg="add mod">
-          <ac:chgData name="Ulrich Peter Christiansen" userId="37732707064464ae" providerId="LiveId" clId="{234F40A3-C788-4ACD-AA45-EA48C8C90975}" dt="2024-07-01T23:54:02.605" v="1661" actId="12"/>
+          <ac:chgData name="Ulrich Peter Christiansen" userId="37732707064464ae" providerId="LiveId" clId="{234F40A3-C788-4ACD-AA45-EA48C8C90975}" dt="2024-07-02T05:43:25.853" v="2785" actId="20577"/>
           <ac:spMkLst>
             <pc:docMk/>
             <pc:sldMk cId="3896327994" sldId="257"/>
@@ -398,7 +398,7 @@
           </ac:spMkLst>
         </pc:spChg>
         <pc:spChg chg="add mod">
-          <ac:chgData name="Ulrich Peter Christiansen" userId="37732707064464ae" providerId="LiveId" clId="{234F40A3-C788-4ACD-AA45-EA48C8C90975}" dt="2024-07-01T23:55:06.910" v="1702" actId="20577"/>
+          <ac:chgData name="Ulrich Peter Christiansen" userId="37732707064464ae" providerId="LiveId" clId="{234F40A3-C788-4ACD-AA45-EA48C8C90975}" dt="2024-07-02T05:43:40.542" v="2790" actId="20577"/>
           <ac:spMkLst>
             <pc:docMk/>
             <pc:sldMk cId="3896327994" sldId="257"/>
@@ -913,7 +913,7 @@
         </pc:grpChg>
       </pc:sldChg>
       <pc:sldChg chg="addSp delSp modSp add mod">
-        <pc:chgData name="Ulrich Peter Christiansen" userId="37732707064464ae" providerId="LiveId" clId="{234F40A3-C788-4ACD-AA45-EA48C8C90975}" dt="2024-07-02T00:39:11.466" v="2112" actId="20577"/>
+        <pc:chgData name="Ulrich Peter Christiansen" userId="37732707064464ae" providerId="LiveId" clId="{234F40A3-C788-4ACD-AA45-EA48C8C90975}" dt="2024-07-02T05:43:48.364" v="2792" actId="14100"/>
         <pc:sldMkLst>
           <pc:docMk/>
           <pc:sldMk cId="981744154" sldId="263"/>
@@ -1039,7 +1039,7 @@
           </ac:graphicFrameMkLst>
         </pc:graphicFrameChg>
         <pc:graphicFrameChg chg="add mod">
-          <ac:chgData name="Ulrich Peter Christiansen" userId="37732707064464ae" providerId="LiveId" clId="{234F40A3-C788-4ACD-AA45-EA48C8C90975}" dt="2024-07-01T23:51:56.419" v="1659" actId="14100"/>
+          <ac:chgData name="Ulrich Peter Christiansen" userId="37732707064464ae" providerId="LiveId" clId="{234F40A3-C788-4ACD-AA45-EA48C8C90975}" dt="2024-07-02T05:43:48.364" v="2792" actId="14100"/>
           <ac:graphicFrameMkLst>
             <pc:docMk/>
             <pc:sldMk cId="981744154" sldId="263"/>
@@ -1191,7 +1191,7 @@
         </pc:graphicFrameChg>
       </pc:sldChg>
       <pc:sldChg chg="addSp delSp modSp add mod">
-        <pc:chgData name="Ulrich Peter Christiansen" userId="37732707064464ae" providerId="LiveId" clId="{234F40A3-C788-4ACD-AA45-EA48C8C90975}" dt="2024-07-02T00:54:47.836" v="2779" actId="20577"/>
+        <pc:chgData name="Ulrich Peter Christiansen" userId="37732707064464ae" providerId="LiveId" clId="{234F40A3-C788-4ACD-AA45-EA48C8C90975}" dt="2024-07-02T05:47:27.021" v="2812" actId="20577"/>
         <pc:sldMkLst>
           <pc:docMk/>
           <pc:sldMk cId="497591381" sldId="265"/>
@@ -1229,7 +1229,7 @@
           </ac:spMkLst>
         </pc:spChg>
         <pc:spChg chg="add mod">
-          <ac:chgData name="Ulrich Peter Christiansen" userId="37732707064464ae" providerId="LiveId" clId="{234F40A3-C788-4ACD-AA45-EA48C8C90975}" dt="2024-07-02T00:51:12.183" v="2585" actId="20577"/>
+          <ac:chgData name="Ulrich Peter Christiansen" userId="37732707064464ae" providerId="LiveId" clId="{234F40A3-C788-4ACD-AA45-EA48C8C90975}" dt="2024-07-02T05:47:27.021" v="2812" actId="20577"/>
           <ac:spMkLst>
             <pc:docMk/>
             <pc:sldMk cId="497591381" sldId="265"/>
@@ -8766,7 +8766,7 @@
         <p:spPr>
           <a:xfrm>
             <a:off x="235174" y="2786747"/>
-            <a:ext cx="3586843" cy="1754326"/>
+            <a:ext cx="3586843" cy="1200329"/>
           </a:xfrm>
           <a:prstGeom prst="rect">
             <a:avLst/>
@@ -8793,16 +8793,6 @@
               <a:rPr lang="en-US" dirty="0"/>
               <a:t>No significant difference between adopters and non-adopters</a:t>
             </a:r>
-          </a:p>
-          <a:p>
-            <a:endParaRPr lang="en-US" dirty="0"/>
-          </a:p>
-          <a:p>
-            <a:r>
-              <a:rPr lang="en-US" u="sng" dirty="0"/>
-              <a:t>Order Pattern</a:t>
-            </a:r>
-            <a:endParaRPr lang="en-DK" dirty="0"/>
           </a:p>
         </p:txBody>
       </p:sp>
@@ -8821,7 +8811,7 @@
         <p:spPr>
           <a:xfrm>
             <a:off x="4276664" y="2786747"/>
-            <a:ext cx="3586843" cy="2308324"/>
+            <a:ext cx="3586843" cy="2031325"/>
           </a:xfrm>
           <a:prstGeom prst="rect">
             <a:avLst/>
@@ -8868,13 +8858,7 @@
           <a:p>
             <a:r>
               <a:rPr lang="en-US" dirty="0"/>
-              <a:t>Adaption Rate (compare)</a:t>
-            </a:r>
-          </a:p>
-          <a:p>
-            <a:r>
-              <a:rPr lang="en-US" dirty="0"/>
-              <a:t>Growth</a:t>
+              <a:t>Adaption Rate</a:t>
             </a:r>
           </a:p>
           <a:p>
@@ -9780,14 +9764,14 @@
           <p:nvPr>
             <p:extLst>
               <p:ext uri="{D42A27DB-BD31-4B8C-83A1-F6EECF244321}">
-                <p14:modId xmlns:p14="http://schemas.microsoft.com/office/powerpoint/2010/main" val="2070987952"/>
+                <p14:modId xmlns:p14="http://schemas.microsoft.com/office/powerpoint/2010/main" val="2172478617"/>
               </p:ext>
             </p:extLst>
           </p:nvPr>
         </p:nvGraphicFramePr>
         <p:xfrm>
           <a:off x="5540978" y="1569661"/>
-          <a:ext cx="5812821" cy="2369879"/>
+          <a:ext cx="5812821" cy="3414383"/>
         </p:xfrm>
         <a:graphic>
           <a:graphicData uri="http://schemas.openxmlformats.org/drawingml/2006/chart">
@@ -12962,7 +12946,7 @@
         <p:spPr>
           <a:xfrm>
             <a:off x="1783644" y="1977156"/>
-            <a:ext cx="4312356" cy="2031325"/>
+            <a:ext cx="4312356" cy="2308324"/>
           </a:xfrm>
           <a:prstGeom prst="rect">
             <a:avLst/>
@@ -13007,7 +12991,11 @@
             </a:pPr>
             <a:r>
               <a:rPr lang="en-US" dirty="0"/>
-              <a:t>While single time users on average has a smaller lifespan, the lifespan of a customer significantly increases with frequency of new service</a:t>
+              <a:t>While single time users on average has a smaller lifespan, the lifespan of a customer significantly increases with frequency of new service </a:t>
+            </a:r>
+            <a:r>
+              <a:rPr lang="en-US"/>
+              <a:t>• Whale Strategy</a:t>
             </a:r>
             <a:endParaRPr lang="en-DK" dirty="0"/>
           </a:p>

--- a/case_presentation.pptx
+++ b/case_presentation.pptx
@@ -122,7 +122,7 @@
 <file path=ppt/revisionInfo.xml><?xml version="1.0" encoding="utf-8"?>
 <p1510:revInfo xmlns:a="http://schemas.openxmlformats.org/drawingml/2006/main" xmlns:r="http://schemas.openxmlformats.org/officeDocument/2006/relationships" xmlns:p1510="http://schemas.microsoft.com/office/powerpoint/2015/10/main">
   <p1510:revLst>
-    <p1510:client id="{234F40A3-C788-4ACD-AA45-EA48C8C90975}" v="92" dt="2024-07-02T05:47:15.483"/>
+    <p1510:client id="{234F40A3-C788-4ACD-AA45-EA48C8C90975}" v="93" dt="2024-07-02T06:06:45.573"/>
   </p1510:revLst>
 </p1510:revInfo>
 </file>
@@ -132,7 +132,7 @@
   <pc:docChgLst>
     <pc:chgData name="Ulrich Peter Christiansen" userId="37732707064464ae" providerId="LiveId" clId="{234F40A3-C788-4ACD-AA45-EA48C8C90975}"/>
     <pc:docChg chg="undo redo custSel addSld delSld modSld sldOrd">
-      <pc:chgData name="Ulrich Peter Christiansen" userId="37732707064464ae" providerId="LiveId" clId="{234F40A3-C788-4ACD-AA45-EA48C8C90975}" dt="2024-07-02T05:47:27.021" v="2812" actId="20577"/>
+      <pc:chgData name="Ulrich Peter Christiansen" userId="37732707064464ae" providerId="LiveId" clId="{234F40A3-C788-4ACD-AA45-EA48C8C90975}" dt="2024-07-02T06:06:45.573" v="2814" actId="20577"/>
       <pc:docMkLst>
         <pc:docMk/>
       </pc:docMkLst>
@@ -487,7 +487,7 @@
         </pc:grpChg>
       </pc:sldChg>
       <pc:sldChg chg="addSp modSp add mod ord">
-        <pc:chgData name="Ulrich Peter Christiansen" userId="37732707064464ae" providerId="LiveId" clId="{234F40A3-C788-4ACD-AA45-EA48C8C90975}" dt="2024-07-02T01:18:44.746" v="2783"/>
+        <pc:chgData name="Ulrich Peter Christiansen" userId="37732707064464ae" providerId="LiveId" clId="{234F40A3-C788-4ACD-AA45-EA48C8C90975}" dt="2024-07-02T06:06:45.573" v="2814" actId="20577"/>
         <pc:sldMkLst>
           <pc:docMk/>
           <pc:sldMk cId="1711531213" sldId="258"/>
@@ -509,7 +509,7 @@
           </ac:spMkLst>
         </pc:spChg>
         <pc:spChg chg="add mod">
-          <ac:chgData name="Ulrich Peter Christiansen" userId="37732707064464ae" providerId="LiveId" clId="{234F40A3-C788-4ACD-AA45-EA48C8C90975}" dt="2024-07-02T01:18:44.746" v="2783"/>
+          <ac:chgData name="Ulrich Peter Christiansen" userId="37732707064464ae" providerId="LiveId" clId="{234F40A3-C788-4ACD-AA45-EA48C8C90975}" dt="2024-07-02T06:06:45.573" v="2814" actId="20577"/>
           <ac:spMkLst>
             <pc:docMk/>
             <pc:sldMk cId="1711531213" sldId="258"/>
@@ -7968,9 +7968,15 @@
                 <a:solidFill>
                   <a:srgbClr val="EFEDEA"/>
                 </a:solidFill>
+                <a:hlinkClick r:id="rId2"/>
               </a:rPr>
-              <a:t>https://github.com/SuneHansenn/JustEatCase.git</a:t>
+              <a:t>https://github.com/UlrichPeterChristiansen/JustEatCase.git</a:t>
             </a:r>
+            <a:endParaRPr lang="en-US" sz="3000" b="1" dirty="0">
+              <a:solidFill>
+                <a:srgbClr val="EFEDEA"/>
+              </a:solidFill>
+            </a:endParaRPr>
           </a:p>
           <a:p>
             <a:pPr marL="0" indent="0">

--- a/case_presentation.pptx
+++ b/case_presentation.pptx
@@ -132,7 +132,7 @@
   <pc:docChgLst>
     <pc:chgData name="Ulrich Peter Christiansen" userId="37732707064464ae" providerId="LiveId" clId="{234F40A3-C788-4ACD-AA45-EA48C8C90975}"/>
     <pc:docChg chg="undo redo custSel addSld delSld modSld sldOrd">
-      <pc:chgData name="Ulrich Peter Christiansen" userId="37732707064464ae" providerId="LiveId" clId="{234F40A3-C788-4ACD-AA45-EA48C8C90975}" dt="2024-07-02T06:06:45.573" v="2814" actId="20577"/>
+      <pc:chgData name="Ulrich Peter Christiansen" userId="37732707064464ae" providerId="LiveId" clId="{234F40A3-C788-4ACD-AA45-EA48C8C90975}" dt="2024-07-02T07:31:43.553" v="3049" actId="20577"/>
       <pc:docMkLst>
         <pc:docMk/>
       </pc:docMkLst>
@@ -160,7 +160,7 @@
         </pc:spChg>
       </pc:sldChg>
       <pc:sldChg chg="addSp delSp modSp new mod modTransition setBg">
-        <pc:chgData name="Ulrich Peter Christiansen" userId="37732707064464ae" providerId="LiveId" clId="{234F40A3-C788-4ACD-AA45-EA48C8C90975}" dt="2024-07-02T05:43:40.542" v="2790" actId="20577"/>
+        <pc:chgData name="Ulrich Peter Christiansen" userId="37732707064464ae" providerId="LiveId" clId="{234F40A3-C788-4ACD-AA45-EA48C8C90975}" dt="2024-07-02T07:28:55.882" v="3029" actId="20577"/>
         <pc:sldMkLst>
           <pc:docMk/>
           <pc:sldMk cId="3896327994" sldId="257"/>
@@ -390,7 +390,7 @@
           </ac:spMkLst>
         </pc:spChg>
         <pc:spChg chg="add mod">
-          <ac:chgData name="Ulrich Peter Christiansen" userId="37732707064464ae" providerId="LiveId" clId="{234F40A3-C788-4ACD-AA45-EA48C8C90975}" dt="2024-07-02T05:43:25.853" v="2785" actId="20577"/>
+          <ac:chgData name="Ulrich Peter Christiansen" userId="37732707064464ae" providerId="LiveId" clId="{234F40A3-C788-4ACD-AA45-EA48C8C90975}" dt="2024-07-02T07:26:29.787" v="2842" actId="20577"/>
           <ac:spMkLst>
             <pc:docMk/>
             <pc:sldMk cId="3896327994" sldId="257"/>
@@ -398,7 +398,7 @@
           </ac:spMkLst>
         </pc:spChg>
         <pc:spChg chg="add mod">
-          <ac:chgData name="Ulrich Peter Christiansen" userId="37732707064464ae" providerId="LiveId" clId="{234F40A3-C788-4ACD-AA45-EA48C8C90975}" dt="2024-07-02T05:43:40.542" v="2790" actId="20577"/>
+          <ac:chgData name="Ulrich Peter Christiansen" userId="37732707064464ae" providerId="LiveId" clId="{234F40A3-C788-4ACD-AA45-EA48C8C90975}" dt="2024-07-02T07:28:01.642" v="2942" actId="20577"/>
           <ac:spMkLst>
             <pc:docMk/>
             <pc:sldMk cId="3896327994" sldId="257"/>
@@ -406,7 +406,7 @@
           </ac:spMkLst>
         </pc:spChg>
         <pc:spChg chg="add mod">
-          <ac:chgData name="Ulrich Peter Christiansen" userId="37732707064464ae" providerId="LiveId" clId="{234F40A3-C788-4ACD-AA45-EA48C8C90975}" dt="2024-07-01T22:32:21.444" v="946" actId="115"/>
+          <ac:chgData name="Ulrich Peter Christiansen" userId="37732707064464ae" providerId="LiveId" clId="{234F40A3-C788-4ACD-AA45-EA48C8C90975}" dt="2024-07-02T07:28:55.882" v="3029" actId="20577"/>
           <ac:spMkLst>
             <pc:docMk/>
             <pc:sldMk cId="3896327994" sldId="257"/>
@@ -1191,7 +1191,7 @@
         </pc:graphicFrameChg>
       </pc:sldChg>
       <pc:sldChg chg="addSp delSp modSp add mod">
-        <pc:chgData name="Ulrich Peter Christiansen" userId="37732707064464ae" providerId="LiveId" clId="{234F40A3-C788-4ACD-AA45-EA48C8C90975}" dt="2024-07-02T05:47:27.021" v="2812" actId="20577"/>
+        <pc:chgData name="Ulrich Peter Christiansen" userId="37732707064464ae" providerId="LiveId" clId="{234F40A3-C788-4ACD-AA45-EA48C8C90975}" dt="2024-07-02T07:31:43.553" v="3049" actId="20577"/>
         <pc:sldMkLst>
           <pc:docMk/>
           <pc:sldMk cId="497591381" sldId="265"/>
@@ -1229,7 +1229,7 @@
           </ac:spMkLst>
         </pc:spChg>
         <pc:spChg chg="add mod">
-          <ac:chgData name="Ulrich Peter Christiansen" userId="37732707064464ae" providerId="LiveId" clId="{234F40A3-C788-4ACD-AA45-EA48C8C90975}" dt="2024-07-02T05:47:27.021" v="2812" actId="20577"/>
+          <ac:chgData name="Ulrich Peter Christiansen" userId="37732707064464ae" providerId="LiveId" clId="{234F40A3-C788-4ACD-AA45-EA48C8C90975}" dt="2024-07-02T07:31:01.443" v="3041" actId="313"/>
           <ac:spMkLst>
             <pc:docMk/>
             <pc:sldMk cId="497591381" sldId="265"/>
@@ -1237,7 +1237,7 @@
           </ac:spMkLst>
         </pc:spChg>
         <pc:spChg chg="add mod">
-          <ac:chgData name="Ulrich Peter Christiansen" userId="37732707064464ae" providerId="LiveId" clId="{234F40A3-C788-4ACD-AA45-EA48C8C90975}" dt="2024-07-02T00:54:47.836" v="2779" actId="20577"/>
+          <ac:chgData name="Ulrich Peter Christiansen" userId="37732707064464ae" providerId="LiveId" clId="{234F40A3-C788-4ACD-AA45-EA48C8C90975}" dt="2024-07-02T07:31:43.553" v="3049" actId="20577"/>
           <ac:spMkLst>
             <pc:docMk/>
             <pc:sldMk cId="497591381" sldId="265"/>
@@ -8772,7 +8772,7 @@
         <p:spPr>
           <a:xfrm>
             <a:off x="235174" y="2786747"/>
-            <a:ext cx="3586843" cy="1200329"/>
+            <a:ext cx="3586843" cy="1477328"/>
           </a:xfrm>
           <a:prstGeom prst="rect">
             <a:avLst/>
@@ -8797,7 +8797,7 @@
             </a:pPr>
             <a:r>
               <a:rPr lang="en-US" dirty="0"/>
-              <a:t>No significant difference between adopters and non-adopters</a:t>
+              <a:t>No significant difference between adopters and non-adopters in average retention rate</a:t>
             </a:r>
           </a:p>
         </p:txBody>
@@ -8817,7 +8817,7 @@
         <p:spPr>
           <a:xfrm>
             <a:off x="4276664" y="2786747"/>
-            <a:ext cx="3586843" cy="2031325"/>
+            <a:ext cx="3586843" cy="3139321"/>
           </a:xfrm>
           <a:prstGeom prst="rect">
             <a:avLst/>
@@ -8836,20 +8836,23 @@
             </a:r>
           </a:p>
           <a:p>
+            <a:pPr marL="285750" indent="-285750">
+              <a:buFont typeface="Arial" panose="020B0604020202020204" pitchFamily="34" charset="0"/>
+              <a:buChar char="•"/>
+            </a:pPr>
             <a:r>
               <a:rPr lang="en-US" dirty="0"/>
-              <a:t>Significant impact on </a:t>
+              <a:t>Significant increase in commission</a:t>
             </a:r>
-            <a:r>
-              <a:rPr lang="en-US" dirty="0" err="1"/>
-              <a:t>commision</a:t>
-            </a:r>
-            <a:endParaRPr lang="en-US" dirty="0"/>
-          </a:p>
-          <a:p>
+          </a:p>
+          <a:p>
+            <a:pPr marL="285750" indent="-285750">
+              <a:buFont typeface="Arial" panose="020B0604020202020204" pitchFamily="34" charset="0"/>
+              <a:buChar char="•"/>
+            </a:pPr>
             <a:r>
               <a:rPr lang="en-US" dirty="0"/>
-              <a:t>Status (rate from good to bad)</a:t>
+              <a:t>Enhanced rate from bad to good</a:t>
             </a:r>
           </a:p>
           <a:p>
@@ -8862,9 +8865,13 @@
             </a:r>
           </a:p>
           <a:p>
+            <a:pPr marL="285750" indent="-285750">
+              <a:buFont typeface="Arial" panose="020B0604020202020204" pitchFamily="34" charset="0"/>
+              <a:buChar char="•"/>
+            </a:pPr>
             <a:r>
               <a:rPr lang="en-US" dirty="0"/>
-              <a:t>Adaption Rate</a:t>
+              <a:t>Higher frequency of new service show enhanced total use</a:t>
             </a:r>
           </a:p>
           <a:p>
@@ -8887,7 +8894,7 @@
         <p:spPr>
           <a:xfrm>
             <a:off x="8433826" y="2786747"/>
-            <a:ext cx="3586843" cy="1754326"/>
+            <a:ext cx="3586843" cy="3139321"/>
           </a:xfrm>
           <a:prstGeom prst="rect">
             <a:avLst/>
@@ -8922,20 +8929,7 @@
             </a:pPr>
             <a:r>
               <a:rPr lang="en-US" dirty="0"/>
-              <a:t>Growth</a:t>
-            </a:r>
-          </a:p>
-          <a:p>
-            <a:pPr marL="285750" indent="-285750">
-              <a:buFont typeface="Arial" panose="020B0604020202020204" pitchFamily="34" charset="0"/>
-              <a:buChar char="•"/>
-            </a:pPr>
-            <a:endParaRPr lang="en-US" dirty="0"/>
-          </a:p>
-          <a:p>
-            <a:r>
-              <a:rPr lang="en-US" u="sng" dirty="0"/>
-              <a:t>Move on</a:t>
+              <a:t>Bigger Whales</a:t>
             </a:r>
           </a:p>
           <a:p>
@@ -8945,8 +8939,47 @@
             </a:pPr>
             <a:r>
               <a:rPr lang="en-US" dirty="0"/>
-              <a:t>No Enhanced Retention</a:t>
+              <a:t>Growth</a:t>
             </a:r>
+          </a:p>
+          <a:p>
+            <a:pPr marL="285750" indent="-285750">
+              <a:buFont typeface="Arial" panose="020B0604020202020204" pitchFamily="34" charset="0"/>
+              <a:buChar char="•"/>
+            </a:pPr>
+            <a:endParaRPr lang="en-US" dirty="0"/>
+          </a:p>
+          <a:p>
+            <a:r>
+              <a:rPr lang="en-US" u="sng" dirty="0"/>
+              <a:t>Move on</a:t>
+            </a:r>
+          </a:p>
+          <a:p>
+            <a:pPr marL="285750" indent="-285750">
+              <a:buFont typeface="Arial" panose="020B0604020202020204" pitchFamily="34" charset="0"/>
+              <a:buChar char="•"/>
+            </a:pPr>
+            <a:r>
+              <a:rPr lang="en-US" dirty="0"/>
+              <a:t>No Enhanced Average Retention</a:t>
+            </a:r>
+          </a:p>
+          <a:p>
+            <a:pPr marL="285750" indent="-285750">
+              <a:buFont typeface="Arial" panose="020B0604020202020204" pitchFamily="34" charset="0"/>
+              <a:buChar char="•"/>
+            </a:pPr>
+            <a:r>
+              <a:rPr lang="en-US" dirty="0"/>
+              <a:t>Deal Seeking Strategy taking advantage of new service</a:t>
+            </a:r>
+          </a:p>
+          <a:p>
+            <a:pPr marL="285750" indent="-285750">
+              <a:buFont typeface="Arial" panose="020B0604020202020204" pitchFamily="34" charset="0"/>
+              <a:buChar char="•"/>
+            </a:pPr>
             <a:endParaRPr lang="en-DK" dirty="0"/>
           </a:p>
         </p:txBody>
@@ -12951,7 +12984,7 @@
         </p:nvSpPr>
         <p:spPr>
           <a:xfrm>
-            <a:off x="1783644" y="1977156"/>
+            <a:off x="1360312" y="1966020"/>
             <a:ext cx="4312356" cy="2308324"/>
           </a:xfrm>
           <a:prstGeom prst="rect">
@@ -12967,7 +13000,7 @@
           <a:p>
             <a:r>
               <a:rPr lang="en-US" b="1" dirty="0"/>
-              <a:t>Scale New Service</a:t>
+              <a:t>Scale New Service?</a:t>
             </a:r>
           </a:p>
           <a:p>
@@ -12977,7 +13010,7 @@
             </a:pPr>
             <a:r>
               <a:rPr lang="en-US" dirty="0"/>
-              <a:t>Significant increase on gross profit</a:t>
+              <a:t>Significant increase in gross profit</a:t>
             </a:r>
           </a:p>
           <a:p>
@@ -12997,11 +13030,7 @@
             </a:pPr>
             <a:r>
               <a:rPr lang="en-US" dirty="0"/>
-              <a:t>While single time users on average has a smaller lifespan, the lifespan of a customer significantly increases with frequency of new service </a:t>
-            </a:r>
-            <a:r>
-              <a:rPr lang="en-US"/>
-              <a:t>• Whale Strategy</a:t>
+              <a:t>While single time users on average has a smaller “lifespan”, the lifespan of a customer significantly increases with frequency of new service • Whale Strategy</a:t>
             </a:r>
             <a:endParaRPr lang="en-DK" dirty="0"/>
           </a:p>
@@ -13037,7 +13066,7 @@
           <a:p>
             <a:r>
               <a:rPr lang="en-US" b="1" dirty="0"/>
-              <a:t>Discontinue New Service</a:t>
+              <a:t>Discontinue New Service?</a:t>
             </a:r>
           </a:p>
           <a:p>
@@ -13057,13 +13086,8 @@
             </a:pPr>
             <a:r>
               <a:rPr lang="en-US" dirty="0"/>
-              <a:t>Quick drop off suggest customs deal </a:t>
+              <a:t>Quick drop off suggest customs deal seeking strategy</a:t>
             </a:r>
-            <a:r>
-              <a:rPr lang="en-US"/>
-              <a:t>seeking strategy</a:t>
-            </a:r>
-            <a:endParaRPr lang="en-US" dirty="0"/>
           </a:p>
           <a:p>
             <a:pPr marL="285750" indent="-285750">
@@ -13072,7 +13096,11 @@
             </a:pPr>
             <a:r>
               <a:rPr lang="en-US" dirty="0"/>
-              <a:t>Comparatively low use</a:t>
+              <a:t>Comparatively </a:t>
+            </a:r>
+            <a:r>
+              <a:rPr lang="en-US"/>
+              <a:t>low use numbers</a:t>
             </a:r>
             <a:endParaRPr lang="en-DK" dirty="0"/>
           </a:p>
